--- a/Hands-on lab/Resources/Lab Architecture.pptx
+++ b/Hands-on lab/Resources/Lab Architecture.pptx
@@ -107,6 +107,11 @@
       </a:defRPr>
     </a:lvl9pPr>
   </p:defaultTextStyle>
+  <p:extLst>
+    <p:ext uri="{EFAFB233-063F-42B5-8137-9DF3F51BA10A}">
+      <p15:sldGuideLst xmlns:p15="http://schemas.microsoft.com/office/powerpoint/2012/main"/>
+    </p:ext>
+  </p:extLst>
 </p:presentation>
 </file>
 
@@ -192,7 +197,7 @@
           <a:p>
             <a:fld id="{3C10C21E-484A-4B3C-92AD-6394B6195863}" type="datetimeFigureOut">
               <a:rPr lang="en-US" smtClean="0"/>
-              <a:t>6/14/2019</a:t>
+              <a:t>27-Feb-20</a:t>
             </a:fld>
             <a:endParaRPr lang="en-US"/>
           </a:p>
@@ -570,7 +575,7 @@
                 <a:tabLst/>
                 <a:defRPr/>
               </a:pPr>
-              <a:t>6/14/2019 10:13 AM</a:t>
+              <a:t>27-Feb-20 14:30</a:t>
             </a:fld>
             <a:endParaRPr kumimoji="0" lang="en-US" sz="1800" b="0" i="0" u="none" strike="noStrike" kern="0" cap="none" spc="0" normalizeH="0" baseline="0" noProof="0" dirty="0">
               <a:ln>
@@ -1025,7 +1030,7 @@
           <a:p>
             <a:fld id="{00D9E8BE-1068-46B4-AEC7-B4BBDB41171D}" type="datetimeFigureOut">
               <a:rPr lang="en-US" smtClean="0"/>
-              <a:t>6/14/2019</a:t>
+              <a:t>27-Feb-20</a:t>
             </a:fld>
             <a:endParaRPr lang="en-US"/>
           </a:p>
@@ -1223,7 +1228,7 @@
           <a:p>
             <a:fld id="{00D9E8BE-1068-46B4-AEC7-B4BBDB41171D}" type="datetimeFigureOut">
               <a:rPr lang="en-US" smtClean="0"/>
-              <a:t>6/14/2019</a:t>
+              <a:t>27-Feb-20</a:t>
             </a:fld>
             <a:endParaRPr lang="en-US"/>
           </a:p>
@@ -1431,7 +1436,7 @@
           <a:p>
             <a:fld id="{00D9E8BE-1068-46B4-AEC7-B4BBDB41171D}" type="datetimeFigureOut">
               <a:rPr lang="en-US" smtClean="0"/>
-              <a:t>6/14/2019</a:t>
+              <a:t>27-Feb-20</a:t>
             </a:fld>
             <a:endParaRPr lang="en-US"/>
           </a:p>
@@ -1629,7 +1634,7 @@
           <a:p>
             <a:fld id="{00D9E8BE-1068-46B4-AEC7-B4BBDB41171D}" type="datetimeFigureOut">
               <a:rPr lang="en-US" smtClean="0"/>
-              <a:t>6/14/2019</a:t>
+              <a:t>27-Feb-20</a:t>
             </a:fld>
             <a:endParaRPr lang="en-US"/>
           </a:p>
@@ -1904,7 +1909,7 @@
           <a:p>
             <a:fld id="{00D9E8BE-1068-46B4-AEC7-B4BBDB41171D}" type="datetimeFigureOut">
               <a:rPr lang="en-US" smtClean="0"/>
-              <a:t>6/14/2019</a:t>
+              <a:t>27-Feb-20</a:t>
             </a:fld>
             <a:endParaRPr lang="en-US"/>
           </a:p>
@@ -2169,7 +2174,7 @@
           <a:p>
             <a:fld id="{00D9E8BE-1068-46B4-AEC7-B4BBDB41171D}" type="datetimeFigureOut">
               <a:rPr lang="en-US" smtClean="0"/>
-              <a:t>6/14/2019</a:t>
+              <a:t>27-Feb-20</a:t>
             </a:fld>
             <a:endParaRPr lang="en-US"/>
           </a:p>
@@ -2581,7 +2586,7 @@
           <a:p>
             <a:fld id="{00D9E8BE-1068-46B4-AEC7-B4BBDB41171D}" type="datetimeFigureOut">
               <a:rPr lang="en-US" smtClean="0"/>
-              <a:t>6/14/2019</a:t>
+              <a:t>27-Feb-20</a:t>
             </a:fld>
             <a:endParaRPr lang="en-US"/>
           </a:p>
@@ -2722,7 +2727,7 @@
           <a:p>
             <a:fld id="{00D9E8BE-1068-46B4-AEC7-B4BBDB41171D}" type="datetimeFigureOut">
               <a:rPr lang="en-US" smtClean="0"/>
-              <a:t>6/14/2019</a:t>
+              <a:t>27-Feb-20</a:t>
             </a:fld>
             <a:endParaRPr lang="en-US"/>
           </a:p>
@@ -2835,7 +2840,7 @@
           <a:p>
             <a:fld id="{00D9E8BE-1068-46B4-AEC7-B4BBDB41171D}" type="datetimeFigureOut">
               <a:rPr lang="en-US" smtClean="0"/>
-              <a:t>6/14/2019</a:t>
+              <a:t>27-Feb-20</a:t>
             </a:fld>
             <a:endParaRPr lang="en-US"/>
           </a:p>
@@ -3146,7 +3151,7 @@
           <a:p>
             <a:fld id="{00D9E8BE-1068-46B4-AEC7-B4BBDB41171D}" type="datetimeFigureOut">
               <a:rPr lang="en-US" smtClean="0"/>
-              <a:t>6/14/2019</a:t>
+              <a:t>27-Feb-20</a:t>
             </a:fld>
             <a:endParaRPr lang="en-US"/>
           </a:p>
@@ -3434,7 +3439,7 @@
           <a:p>
             <a:fld id="{00D9E8BE-1068-46B4-AEC7-B4BBDB41171D}" type="datetimeFigureOut">
               <a:rPr lang="en-US" smtClean="0"/>
-              <a:t>6/14/2019</a:t>
+              <a:t>27-Feb-20</a:t>
             </a:fld>
             <a:endParaRPr lang="en-US"/>
           </a:p>
@@ -3675,7 +3680,7 @@
           <a:p>
             <a:fld id="{00D9E8BE-1068-46B4-AEC7-B4BBDB41171D}" type="datetimeFigureOut">
               <a:rPr lang="en-US" smtClean="0"/>
-              <a:t>6/14/2019</a:t>
+              <a:t>27-Feb-20</a:t>
             </a:fld>
             <a:endParaRPr lang="en-US"/>
           </a:p>
@@ -4750,397 +4755,6 @@
           </p:spPr>
         </p:pic>
       </p:grpSp>
-      <p:grpSp>
-        <p:nvGrpSpPr>
-          <p:cNvPr id="2" name="Group 1">
-            <a:extLst>
-              <a:ext uri="{FF2B5EF4-FFF2-40B4-BE49-F238E27FC236}">
-                <a16:creationId xmlns:a16="http://schemas.microsoft.com/office/drawing/2014/main" id="{E07E4F91-AA25-4207-9DFB-1EECEB6C7876}"/>
-              </a:ext>
-            </a:extLst>
-          </p:cNvPr>
-          <p:cNvGrpSpPr/>
-          <p:nvPr/>
-        </p:nvGrpSpPr>
-        <p:grpSpPr>
-          <a:xfrm>
-            <a:off x="7694391" y="1557088"/>
-            <a:ext cx="949633" cy="1099012"/>
-            <a:chOff x="3792058" y="1737634"/>
-            <a:chExt cx="949633" cy="1099012"/>
-          </a:xfrm>
-        </p:grpSpPr>
-        <p:sp>
-          <p:nvSpPr>
-            <p:cNvPr id="59" name="TextBox 58">
-              <a:extLst>
-                <a:ext uri="{FF2B5EF4-FFF2-40B4-BE49-F238E27FC236}">
-                  <a16:creationId xmlns:a16="http://schemas.microsoft.com/office/drawing/2014/main" id="{B723EFC5-6988-4E8A-BF81-DC1937934AC5}"/>
-                </a:ext>
-              </a:extLst>
-            </p:cNvPr>
-            <p:cNvSpPr txBox="1"/>
-            <p:nvPr/>
-          </p:nvSpPr>
-          <p:spPr>
-            <a:xfrm>
-              <a:off x="3792058" y="2173204"/>
-              <a:ext cx="949633" cy="663442"/>
-            </a:xfrm>
-            <a:prstGeom prst="rect">
-              <a:avLst/>
-            </a:prstGeom>
-            <a:noFill/>
-          </p:spPr>
-          <p:txBody>
-            <a:bodyPr wrap="square" lIns="91440" tIns="143347" rIns="91440" bIns="143347" rtlCol="0">
-              <a:spAutoFit/>
-            </a:bodyPr>
-            <a:lstStyle>
-              <a:defPPr>
-                <a:defRPr lang="en-US"/>
-              </a:defPPr>
-              <a:lvl1pPr defTabSz="913781">
-                <a:lnSpc>
-                  <a:spcPct val="90000"/>
-                </a:lnSpc>
-                <a:spcBef>
-                  <a:spcPct val="0"/>
-                </a:spcBef>
-                <a:spcAft>
-                  <a:spcPts val="588"/>
-                </a:spcAft>
-                <a:defRPr sz="1125" kern="0" spc="-29">
-                  <a:gradFill>
-                    <a:gsLst>
-                      <a:gs pos="1250">
-                        <a:schemeClr val="tx1"/>
-                      </a:gs>
-                      <a:gs pos="100000">
-                        <a:schemeClr val="tx1"/>
-                      </a:gs>
-                    </a:gsLst>
-                    <a:lin ang="5400000" scaled="0"/>
-                  </a:gradFill>
-                  <a:latin typeface="Segoe UI Semilight" panose="020B0402040204020203" pitchFamily="34" charset="0"/>
-                  <a:ea typeface="MS PGothic" panose="020B0600070205080204" pitchFamily="34" charset="-128"/>
-                  <a:cs typeface="Segoe UI Semilight" panose="020B0402040204020203" pitchFamily="34" charset="0"/>
-                </a:defRPr>
-              </a:lvl1pPr>
-              <a:lvl2pPr>
-                <a:defRPr>
-                  <a:solidFill>
-                    <a:schemeClr val="tx1"/>
-                  </a:solidFill>
-                </a:defRPr>
-              </a:lvl2pPr>
-              <a:lvl3pPr>
-                <a:defRPr>
-                  <a:solidFill>
-                    <a:schemeClr val="tx1"/>
-                  </a:solidFill>
-                </a:defRPr>
-              </a:lvl3pPr>
-              <a:lvl4pPr>
-                <a:defRPr>
-                  <a:solidFill>
-                    <a:schemeClr val="tx1"/>
-                  </a:solidFill>
-                </a:defRPr>
-              </a:lvl4pPr>
-              <a:lvl5pPr>
-                <a:defRPr>
-                  <a:solidFill>
-                    <a:schemeClr val="tx1"/>
-                  </a:solidFill>
-                </a:defRPr>
-              </a:lvl5pPr>
-              <a:lvl6pPr>
-                <a:defRPr>
-                  <a:solidFill>
-                    <a:schemeClr val="tx1"/>
-                  </a:solidFill>
-                </a:defRPr>
-              </a:lvl6pPr>
-              <a:lvl7pPr>
-                <a:defRPr>
-                  <a:solidFill>
-                    <a:schemeClr val="tx1"/>
-                  </a:solidFill>
-                </a:defRPr>
-              </a:lvl7pPr>
-              <a:lvl8pPr>
-                <a:defRPr>
-                  <a:solidFill>
-                    <a:schemeClr val="tx1"/>
-                  </a:solidFill>
-                </a:defRPr>
-              </a:lvl8pPr>
-              <a:lvl9pPr>
-                <a:defRPr>
-                  <a:solidFill>
-                    <a:schemeClr val="tx1"/>
-                  </a:solidFill>
-                </a:defRPr>
-              </a:lvl9pPr>
-            </a:lstStyle>
-            <a:p>
-              <a:pPr algn="ctr"/>
-              <a:r>
-                <a:rPr lang="en-US" sz="900" dirty="0">
-                  <a:solidFill>
-                    <a:schemeClr val="tx1"/>
-                  </a:solidFill>
-                  <a:latin typeface="Segoe UI Semibold" panose="020B0702040204020203" pitchFamily="34" charset="0"/>
-                  <a:cs typeface="Segoe UI Semibold" panose="020B0702040204020203" pitchFamily="34" charset="0"/>
-                </a:rPr>
-                <a:t>Azure Machine Learning Workspace  </a:t>
-              </a:r>
-            </a:p>
-          </p:txBody>
-        </p:sp>
-        <p:pic>
-          <p:nvPicPr>
-            <p:cNvPr id="156" name="Picture 155">
-              <a:extLst>
-                <a:ext uri="{FF2B5EF4-FFF2-40B4-BE49-F238E27FC236}">
-                  <a16:creationId xmlns:a16="http://schemas.microsoft.com/office/drawing/2014/main" id="{A573BC03-33C5-437C-8139-AA65580F1060}"/>
-                </a:ext>
-              </a:extLst>
-            </p:cNvPr>
-            <p:cNvPicPr>
-              <a:picLocks noChangeAspect="1"/>
-            </p:cNvPicPr>
-            <p:nvPr/>
-          </p:nvPicPr>
-          <p:blipFill>
-            <a:blip r:embed="rId6" cstate="print">
-              <a:extLst>
-                <a:ext uri="{28A0092B-C50C-407E-A947-70E740481C1C}">
-                  <a14:useLocalDpi xmlns:a14="http://schemas.microsoft.com/office/drawing/2010/main" val="0"/>
-                </a:ext>
-              </a:extLst>
-            </a:blip>
-            <a:stretch>
-              <a:fillRect/>
-            </a:stretch>
-          </p:blipFill>
-          <p:spPr>
-            <a:xfrm>
-              <a:off x="4050710" y="1737634"/>
-              <a:ext cx="475488" cy="475488"/>
-            </a:xfrm>
-            <a:prstGeom prst="rect">
-              <a:avLst/>
-            </a:prstGeom>
-          </p:spPr>
-        </p:pic>
-      </p:grpSp>
-      <p:grpSp>
-        <p:nvGrpSpPr>
-          <p:cNvPr id="3" name="Group 2">
-            <a:extLst>
-              <a:ext uri="{FF2B5EF4-FFF2-40B4-BE49-F238E27FC236}">
-                <a16:creationId xmlns:a16="http://schemas.microsoft.com/office/drawing/2014/main" id="{EBE3687E-6C1C-47CC-B7EC-6F207BB0ECEF}"/>
-              </a:ext>
-            </a:extLst>
-          </p:cNvPr>
-          <p:cNvGrpSpPr/>
-          <p:nvPr/>
-        </p:nvGrpSpPr>
-        <p:grpSpPr>
-          <a:xfrm>
-            <a:off x="4854751" y="1651555"/>
-            <a:ext cx="1244733" cy="1074847"/>
-            <a:chOff x="5397668" y="1651555"/>
-            <a:chExt cx="1244733" cy="1074847"/>
-          </a:xfrm>
-        </p:grpSpPr>
-        <p:pic>
-          <p:nvPicPr>
-            <p:cNvPr id="270" name="Picture 269">
-              <a:extLst>
-                <a:ext uri="{FF2B5EF4-FFF2-40B4-BE49-F238E27FC236}">
-                  <a16:creationId xmlns:a16="http://schemas.microsoft.com/office/drawing/2014/main" id="{C35B6837-FAFB-4B91-8B8D-99B09C116E6E}"/>
-                </a:ext>
-              </a:extLst>
-            </p:cNvPr>
-            <p:cNvPicPr>
-              <a:picLocks noChangeAspect="1"/>
-            </p:cNvPicPr>
-            <p:nvPr/>
-          </p:nvPicPr>
-          <p:blipFill>
-            <a:blip r:embed="rId3">
-              <a:extLst>
-                <a:ext uri="{96DAC541-7B7A-43D3-8B79-37D633B846F1}">
-                  <asvg:svgBlip xmlns:asvg="http://schemas.microsoft.com/office/drawing/2016/SVG/main" r:embed="rId4"/>
-                </a:ext>
-              </a:extLst>
-            </a:blip>
-            <a:stretch>
-              <a:fillRect/>
-            </a:stretch>
-          </p:blipFill>
-          <p:spPr>
-            <a:xfrm>
-              <a:off x="5754690" y="1651555"/>
-              <a:ext cx="647646" cy="647646"/>
-            </a:xfrm>
-            <a:prstGeom prst="rect">
-              <a:avLst/>
-            </a:prstGeom>
-          </p:spPr>
-        </p:pic>
-        <p:sp>
-          <p:nvSpPr>
-            <p:cNvPr id="160" name="TextBox 159">
-              <a:extLst>
-                <a:ext uri="{FF2B5EF4-FFF2-40B4-BE49-F238E27FC236}">
-                  <a16:creationId xmlns:a16="http://schemas.microsoft.com/office/drawing/2014/main" id="{7D05A728-7162-4E08-8398-215FA88D9256}"/>
-                </a:ext>
-              </a:extLst>
-            </p:cNvPr>
-            <p:cNvSpPr txBox="1"/>
-            <p:nvPr/>
-          </p:nvSpPr>
-          <p:spPr>
-            <a:xfrm>
-              <a:off x="5397668" y="2187609"/>
-              <a:ext cx="1244733" cy="538793"/>
-            </a:xfrm>
-            <a:prstGeom prst="rect">
-              <a:avLst/>
-            </a:prstGeom>
-            <a:noFill/>
-          </p:spPr>
-          <p:txBody>
-            <a:bodyPr wrap="square" lIns="91440" tIns="143347" rIns="91440" bIns="143347" rtlCol="0">
-              <a:spAutoFit/>
-            </a:bodyPr>
-            <a:lstStyle>
-              <a:defPPr>
-                <a:defRPr lang="en-US"/>
-              </a:defPPr>
-              <a:lvl1pPr defTabSz="913781">
-                <a:lnSpc>
-                  <a:spcPct val="90000"/>
-                </a:lnSpc>
-                <a:spcBef>
-                  <a:spcPct val="0"/>
-                </a:spcBef>
-                <a:spcAft>
-                  <a:spcPts val="588"/>
-                </a:spcAft>
-                <a:defRPr sz="1125" kern="0" spc="-29">
-                  <a:gradFill>
-                    <a:gsLst>
-                      <a:gs pos="1250">
-                        <a:schemeClr val="tx1"/>
-                      </a:gs>
-                      <a:gs pos="100000">
-                        <a:schemeClr val="tx1"/>
-                      </a:gs>
-                    </a:gsLst>
-                    <a:lin ang="5400000" scaled="0"/>
-                  </a:gradFill>
-                  <a:latin typeface="Segoe UI Semilight" panose="020B0402040204020203" pitchFamily="34" charset="0"/>
-                  <a:ea typeface="MS PGothic" panose="020B0600070205080204" pitchFamily="34" charset="-128"/>
-                  <a:cs typeface="Segoe UI Semilight" panose="020B0402040204020203" pitchFamily="34" charset="0"/>
-                </a:defRPr>
-              </a:lvl1pPr>
-              <a:lvl2pPr>
-                <a:defRPr>
-                  <a:solidFill>
-                    <a:schemeClr val="tx1"/>
-                  </a:solidFill>
-                </a:defRPr>
-              </a:lvl2pPr>
-              <a:lvl3pPr>
-                <a:defRPr>
-                  <a:solidFill>
-                    <a:schemeClr val="tx1"/>
-                  </a:solidFill>
-                </a:defRPr>
-              </a:lvl3pPr>
-              <a:lvl4pPr>
-                <a:defRPr>
-                  <a:solidFill>
-                    <a:schemeClr val="tx1"/>
-                  </a:solidFill>
-                </a:defRPr>
-              </a:lvl4pPr>
-              <a:lvl5pPr>
-                <a:defRPr>
-                  <a:solidFill>
-                    <a:schemeClr val="tx1"/>
-                  </a:solidFill>
-                </a:defRPr>
-              </a:lvl5pPr>
-              <a:lvl6pPr>
-                <a:defRPr>
-                  <a:solidFill>
-                    <a:schemeClr val="tx1"/>
-                  </a:solidFill>
-                </a:defRPr>
-              </a:lvl6pPr>
-              <a:lvl7pPr>
-                <a:defRPr>
-                  <a:solidFill>
-                    <a:schemeClr val="tx1"/>
-                  </a:solidFill>
-                </a:defRPr>
-              </a:lvl7pPr>
-              <a:lvl8pPr>
-                <a:defRPr>
-                  <a:solidFill>
-                    <a:schemeClr val="tx1"/>
-                  </a:solidFill>
-                </a:defRPr>
-              </a:lvl8pPr>
-              <a:lvl9pPr>
-                <a:defRPr>
-                  <a:solidFill>
-                    <a:schemeClr val="tx1"/>
-                  </a:solidFill>
-                </a:defRPr>
-              </a:lvl9pPr>
-            </a:lstStyle>
-            <a:p>
-              <a:pPr algn="ctr"/>
-              <a:r>
-                <a:rPr lang="en-US" sz="900" dirty="0">
-                  <a:solidFill>
-                    <a:schemeClr val="tx1"/>
-                  </a:solidFill>
-                  <a:latin typeface="Segoe UI Semibold" panose="020B0702040204020203" pitchFamily="34" charset="0"/>
-                  <a:cs typeface="Segoe UI Semibold" panose="020B0702040204020203" pitchFamily="34" charset="0"/>
-                </a:rPr>
-                <a:t>Azure Databricks</a:t>
-              </a:r>
-              <a:br>
-                <a:rPr lang="en-US" sz="900" dirty="0">
-                  <a:solidFill>
-                    <a:schemeClr val="tx1"/>
-                  </a:solidFill>
-                  <a:latin typeface="Segoe UI Semibold" panose="020B0702040204020203" pitchFamily="34" charset="0"/>
-                  <a:cs typeface="Segoe UI Semibold" panose="020B0702040204020203" pitchFamily="34" charset="0"/>
-                </a:rPr>
-              </a:br>
-              <a:r>
-                <a:rPr lang="en-US" sz="900" dirty="0">
-                  <a:solidFill>
-                    <a:schemeClr val="tx1"/>
-                  </a:solidFill>
-                  <a:latin typeface="Segoe UI Semibold" panose="020B0702040204020203" pitchFamily="34" charset="0"/>
-                  <a:cs typeface="Segoe UI Semibold" panose="020B0702040204020203" pitchFamily="34" charset="0"/>
-                </a:rPr>
-                <a:t>(PyTorch &amp; Keras)</a:t>
-              </a:r>
-            </a:p>
-          </p:txBody>
-        </p:sp>
-      </p:grpSp>
       <p:sp>
         <p:nvSpPr>
           <p:cNvPr id="239" name="Rectangle: Rounded Corners 238">
@@ -5356,13 +4970,13 @@
             <p:nvPr/>
           </p:nvPicPr>
           <p:blipFill>
-            <a:blip r:embed="rId7">
+            <a:blip r:embed="rId6">
               <a:extLst>
                 <a:ext uri="{28A0092B-C50C-407E-A947-70E740481C1C}">
                   <a14:useLocalDpi xmlns:a14="http://schemas.microsoft.com/office/drawing/2010/main" val="0"/>
                 </a:ext>
                 <a:ext uri="{96DAC541-7B7A-43D3-8B79-37D633B846F1}">
-                  <asvg:svgBlip xmlns:asvg="http://schemas.microsoft.com/office/drawing/2016/SVG/main" r:embed="rId8"/>
+                  <asvg:svgBlip xmlns:asvg="http://schemas.microsoft.com/office/drawing/2016/SVG/main" r:embed="rId7"/>
                 </a:ext>
               </a:extLst>
             </a:blip>
@@ -5602,7 +5216,7 @@
             <p:nvPr/>
           </p:nvPicPr>
           <p:blipFill>
-            <a:blip r:embed="rId9">
+            <a:blip r:embed="rId8">
               <a:extLst>
                 <a:ext uri="{28A0092B-C50C-407E-A947-70E740481C1C}">
                   <a14:useLocalDpi xmlns:a14="http://schemas.microsoft.com/office/drawing/2010/main" val="0"/>
@@ -5924,7 +5538,6 @@
           <p:cNvCxnSpPr>
             <a:cxnSpLocks/>
             <a:stCxn id="374" idx="1"/>
-            <a:endCxn id="59" idx="2"/>
           </p:cNvCxnSpPr>
           <p:nvPr/>
         </p:nvCxnSpPr>
@@ -7087,192 +6700,6 @@
           </a:p>
         </p:txBody>
       </p:sp>
-      <p:grpSp>
-        <p:nvGrpSpPr>
-          <p:cNvPr id="370" name="Group 369">
-            <a:extLst>
-              <a:ext uri="{FF2B5EF4-FFF2-40B4-BE49-F238E27FC236}">
-                <a16:creationId xmlns:a16="http://schemas.microsoft.com/office/drawing/2014/main" id="{67301B2F-DFF9-4BBC-A855-0954101B0A59}"/>
-              </a:ext>
-            </a:extLst>
-          </p:cNvPr>
-          <p:cNvGrpSpPr/>
-          <p:nvPr/>
-        </p:nvGrpSpPr>
-        <p:grpSpPr>
-          <a:xfrm>
-            <a:off x="10503861" y="1600544"/>
-            <a:ext cx="949633" cy="1099012"/>
-            <a:chOff x="3792058" y="1737634"/>
-            <a:chExt cx="949633" cy="1099012"/>
-          </a:xfrm>
-        </p:grpSpPr>
-        <p:sp>
-          <p:nvSpPr>
-            <p:cNvPr id="371" name="TextBox 370">
-              <a:extLst>
-                <a:ext uri="{FF2B5EF4-FFF2-40B4-BE49-F238E27FC236}">
-                  <a16:creationId xmlns:a16="http://schemas.microsoft.com/office/drawing/2014/main" id="{F89CE314-4F24-4AE8-8372-27CA41B7957D}"/>
-                </a:ext>
-              </a:extLst>
-            </p:cNvPr>
-            <p:cNvSpPr txBox="1"/>
-            <p:nvPr/>
-          </p:nvSpPr>
-          <p:spPr>
-            <a:xfrm>
-              <a:off x="3792058" y="2173204"/>
-              <a:ext cx="949633" cy="663442"/>
-            </a:xfrm>
-            <a:prstGeom prst="rect">
-              <a:avLst/>
-            </a:prstGeom>
-            <a:noFill/>
-          </p:spPr>
-          <p:txBody>
-            <a:bodyPr wrap="square" lIns="91440" tIns="143347" rIns="91440" bIns="143347" rtlCol="0">
-              <a:spAutoFit/>
-            </a:bodyPr>
-            <a:lstStyle>
-              <a:defPPr>
-                <a:defRPr lang="en-US"/>
-              </a:defPPr>
-              <a:lvl1pPr defTabSz="913781">
-                <a:lnSpc>
-                  <a:spcPct val="90000"/>
-                </a:lnSpc>
-                <a:spcBef>
-                  <a:spcPct val="0"/>
-                </a:spcBef>
-                <a:spcAft>
-                  <a:spcPts val="588"/>
-                </a:spcAft>
-                <a:defRPr sz="1125" kern="0" spc="-29">
-                  <a:gradFill>
-                    <a:gsLst>
-                      <a:gs pos="1250">
-                        <a:schemeClr val="tx1"/>
-                      </a:gs>
-                      <a:gs pos="100000">
-                        <a:schemeClr val="tx1"/>
-                      </a:gs>
-                    </a:gsLst>
-                    <a:lin ang="5400000" scaled="0"/>
-                  </a:gradFill>
-                  <a:latin typeface="Segoe UI Semilight" panose="020B0402040204020203" pitchFamily="34" charset="0"/>
-                  <a:ea typeface="MS PGothic" panose="020B0600070205080204" pitchFamily="34" charset="-128"/>
-                  <a:cs typeface="Segoe UI Semilight" panose="020B0402040204020203" pitchFamily="34" charset="0"/>
-                </a:defRPr>
-              </a:lvl1pPr>
-              <a:lvl2pPr>
-                <a:defRPr>
-                  <a:solidFill>
-                    <a:schemeClr val="tx1"/>
-                  </a:solidFill>
-                </a:defRPr>
-              </a:lvl2pPr>
-              <a:lvl3pPr>
-                <a:defRPr>
-                  <a:solidFill>
-                    <a:schemeClr val="tx1"/>
-                  </a:solidFill>
-                </a:defRPr>
-              </a:lvl3pPr>
-              <a:lvl4pPr>
-                <a:defRPr>
-                  <a:solidFill>
-                    <a:schemeClr val="tx1"/>
-                  </a:solidFill>
-                </a:defRPr>
-              </a:lvl4pPr>
-              <a:lvl5pPr>
-                <a:defRPr>
-                  <a:solidFill>
-                    <a:schemeClr val="tx1"/>
-                  </a:solidFill>
-                </a:defRPr>
-              </a:lvl5pPr>
-              <a:lvl6pPr>
-                <a:defRPr>
-                  <a:solidFill>
-                    <a:schemeClr val="tx1"/>
-                  </a:solidFill>
-                </a:defRPr>
-              </a:lvl6pPr>
-              <a:lvl7pPr>
-                <a:defRPr>
-                  <a:solidFill>
-                    <a:schemeClr val="tx1"/>
-                  </a:solidFill>
-                </a:defRPr>
-              </a:lvl7pPr>
-              <a:lvl8pPr>
-                <a:defRPr>
-                  <a:solidFill>
-                    <a:schemeClr val="tx1"/>
-                  </a:solidFill>
-                </a:defRPr>
-              </a:lvl8pPr>
-              <a:lvl9pPr>
-                <a:defRPr>
-                  <a:solidFill>
-                    <a:schemeClr val="tx1"/>
-                  </a:solidFill>
-                </a:defRPr>
-              </a:lvl9pPr>
-            </a:lstStyle>
-            <a:p>
-              <a:pPr algn="ctr"/>
-              <a:r>
-                <a:rPr lang="en-US" sz="900" dirty="0">
-                  <a:solidFill>
-                    <a:schemeClr val="tx1"/>
-                  </a:solidFill>
-                  <a:latin typeface="Segoe UI Semibold" panose="020B0702040204020203" pitchFamily="34" charset="0"/>
-                  <a:cs typeface="Segoe UI Semibold" panose="020B0702040204020203" pitchFamily="34" charset="0"/>
-                </a:rPr>
-                <a:t>Azure Machine Learning Compute  </a:t>
-              </a:r>
-            </a:p>
-          </p:txBody>
-        </p:sp>
-        <p:pic>
-          <p:nvPicPr>
-            <p:cNvPr id="372" name="Picture 371">
-              <a:extLst>
-                <a:ext uri="{FF2B5EF4-FFF2-40B4-BE49-F238E27FC236}">
-                  <a16:creationId xmlns:a16="http://schemas.microsoft.com/office/drawing/2014/main" id="{8F39DCD6-CAAC-4A81-9D5A-A3FFEA18C55B}"/>
-                </a:ext>
-              </a:extLst>
-            </p:cNvPr>
-            <p:cNvPicPr>
-              <a:picLocks noChangeAspect="1"/>
-            </p:cNvPicPr>
-            <p:nvPr/>
-          </p:nvPicPr>
-          <p:blipFill>
-            <a:blip r:embed="rId6" cstate="print">
-              <a:extLst>
-                <a:ext uri="{28A0092B-C50C-407E-A947-70E740481C1C}">
-                  <a14:useLocalDpi xmlns:a14="http://schemas.microsoft.com/office/drawing/2010/main" val="0"/>
-                </a:ext>
-              </a:extLst>
-            </a:blip>
-            <a:stretch>
-              <a:fillRect/>
-            </a:stretch>
-          </p:blipFill>
-          <p:spPr>
-            <a:xfrm>
-              <a:off x="4050710" y="1737634"/>
-              <a:ext cx="475488" cy="475488"/>
-            </a:xfrm>
-            <a:prstGeom prst="rect">
-              <a:avLst/>
-            </a:prstGeom>
-          </p:spPr>
-        </p:pic>
-      </p:grpSp>
       <p:sp>
         <p:nvSpPr>
           <p:cNvPr id="373" name="TextBox 372">
@@ -7411,6 +6838,528 @@
           </a:p>
         </p:txBody>
       </p:sp>
+      <p:pic>
+        <p:nvPicPr>
+          <p:cNvPr id="54" name="Picture 53">
+            <a:extLst>
+              <a:ext uri="{FF2B5EF4-FFF2-40B4-BE49-F238E27FC236}">
+                <a16:creationId xmlns:a16="http://schemas.microsoft.com/office/drawing/2014/main" id="{1FF01579-12F8-4287-AC12-564F35F24625}"/>
+              </a:ext>
+            </a:extLst>
+          </p:cNvPr>
+          <p:cNvPicPr>
+            <a:picLocks noChangeAspect="1" noChangeArrowheads="1"/>
+          </p:cNvPicPr>
+          <p:nvPr/>
+        </p:nvPicPr>
+        <p:blipFill>
+          <a:blip r:embed="rId9">
+            <a:extLst>
+              <a:ext uri="{28A0092B-C50C-407E-A947-70E740481C1C}">
+                <a14:useLocalDpi xmlns:a14="http://schemas.microsoft.com/office/drawing/2010/main" val="0"/>
+              </a:ext>
+            </a:extLst>
+          </a:blip>
+          <a:stretch>
+            <a:fillRect/>
+          </a:stretch>
+        </p:blipFill>
+        <p:spPr bwMode="auto">
+          <a:xfrm>
+            <a:off x="5283243" y="1683859"/>
+            <a:ext cx="468060" cy="468060"/>
+          </a:xfrm>
+          <a:prstGeom prst="rect">
+            <a:avLst/>
+          </a:prstGeom>
+          <a:extLst>
+            <a:ext uri="{909E8E84-426E-40DD-AFC4-6F175D3DCCD1}">
+              <a14:hiddenFill xmlns:a14="http://schemas.microsoft.com/office/drawing/2010/main">
+                <a:solidFill>
+                  <a:srgbClr val="FFFFFF"/>
+                </a:solidFill>
+              </a14:hiddenFill>
+            </a:ext>
+          </a:extLst>
+        </p:spPr>
+      </p:pic>
+      <p:sp>
+        <p:nvSpPr>
+          <p:cNvPr id="55" name="TextBox 54">
+            <a:extLst>
+              <a:ext uri="{FF2B5EF4-FFF2-40B4-BE49-F238E27FC236}">
+                <a16:creationId xmlns:a16="http://schemas.microsoft.com/office/drawing/2014/main" id="{4DEB224A-23C6-4AF6-832B-E1A20FE2A546}"/>
+              </a:ext>
+            </a:extLst>
+          </p:cNvPr>
+          <p:cNvSpPr txBox="1"/>
+          <p:nvPr/>
+        </p:nvSpPr>
+        <p:spPr>
+          <a:xfrm>
+            <a:off x="4963161" y="2099520"/>
+            <a:ext cx="1076595" cy="538793"/>
+          </a:xfrm>
+          <a:prstGeom prst="rect">
+            <a:avLst/>
+          </a:prstGeom>
+          <a:noFill/>
+        </p:spPr>
+        <p:txBody>
+          <a:bodyPr wrap="square" lIns="91440" tIns="143347" rIns="91440" bIns="143347" rtlCol="0">
+            <a:spAutoFit/>
+          </a:bodyPr>
+          <a:lstStyle>
+            <a:defPPr>
+              <a:defRPr lang="en-US"/>
+            </a:defPPr>
+            <a:lvl1pPr defTabSz="913781">
+              <a:lnSpc>
+                <a:spcPct val="90000"/>
+              </a:lnSpc>
+              <a:spcBef>
+                <a:spcPct val="0"/>
+              </a:spcBef>
+              <a:spcAft>
+                <a:spcPts val="588"/>
+              </a:spcAft>
+              <a:defRPr sz="1125" kern="0" spc="-29">
+                <a:gradFill>
+                  <a:gsLst>
+                    <a:gs pos="1250">
+                      <a:schemeClr val="tx1"/>
+                    </a:gs>
+                    <a:gs pos="100000">
+                      <a:schemeClr val="tx1"/>
+                    </a:gs>
+                  </a:gsLst>
+                  <a:lin ang="5400000" scaled="0"/>
+                </a:gradFill>
+                <a:latin typeface="Segoe UI Semilight" panose="020B0402040204020203" pitchFamily="34" charset="0"/>
+                <a:ea typeface="MS PGothic" panose="020B0600070205080204" pitchFamily="34" charset="-128"/>
+                <a:cs typeface="Segoe UI Semilight" panose="020B0402040204020203" pitchFamily="34" charset="0"/>
+              </a:defRPr>
+            </a:lvl1pPr>
+            <a:lvl2pPr>
+              <a:defRPr>
+                <a:solidFill>
+                  <a:schemeClr val="tx1"/>
+                </a:solidFill>
+              </a:defRPr>
+            </a:lvl2pPr>
+            <a:lvl3pPr>
+              <a:defRPr>
+                <a:solidFill>
+                  <a:schemeClr val="tx1"/>
+                </a:solidFill>
+              </a:defRPr>
+            </a:lvl3pPr>
+            <a:lvl4pPr>
+              <a:defRPr>
+                <a:solidFill>
+                  <a:schemeClr val="tx1"/>
+                </a:solidFill>
+              </a:defRPr>
+            </a:lvl4pPr>
+            <a:lvl5pPr>
+              <a:defRPr>
+                <a:solidFill>
+                  <a:schemeClr val="tx1"/>
+                </a:solidFill>
+              </a:defRPr>
+            </a:lvl5pPr>
+            <a:lvl6pPr>
+              <a:defRPr>
+                <a:solidFill>
+                  <a:schemeClr val="tx1"/>
+                </a:solidFill>
+              </a:defRPr>
+            </a:lvl6pPr>
+            <a:lvl7pPr>
+              <a:defRPr>
+                <a:solidFill>
+                  <a:schemeClr val="tx1"/>
+                </a:solidFill>
+              </a:defRPr>
+            </a:lvl7pPr>
+            <a:lvl8pPr>
+              <a:defRPr>
+                <a:solidFill>
+                  <a:schemeClr val="tx1"/>
+                </a:solidFill>
+              </a:defRPr>
+            </a:lvl8pPr>
+            <a:lvl9pPr>
+              <a:defRPr>
+                <a:solidFill>
+                  <a:schemeClr val="tx1"/>
+                </a:solidFill>
+              </a:defRPr>
+            </a:lvl9pPr>
+          </a:lstStyle>
+          <a:p>
+            <a:pPr algn="ctr"/>
+            <a:r>
+              <a:rPr lang="en-US" sz="900" dirty="0">
+                <a:solidFill>
+                  <a:schemeClr val="tx1"/>
+                </a:solidFill>
+                <a:latin typeface="Segoe UI Semibold" panose="020B0702040204020203" pitchFamily="34" charset="0"/>
+                <a:cs typeface="Segoe UI Semibold" panose="020B0702040204020203" pitchFamily="34" charset="0"/>
+              </a:rPr>
+              <a:t>Azure ML Training Compute  </a:t>
+            </a:r>
+          </a:p>
+        </p:txBody>
+      </p:sp>
+      <p:pic>
+        <p:nvPicPr>
+          <p:cNvPr id="56" name="Picture 55">
+            <a:extLst>
+              <a:ext uri="{FF2B5EF4-FFF2-40B4-BE49-F238E27FC236}">
+                <a16:creationId xmlns:a16="http://schemas.microsoft.com/office/drawing/2014/main" id="{8E544D8A-E0F1-4E5D-A0C0-58934B15B77E}"/>
+              </a:ext>
+            </a:extLst>
+          </p:cNvPr>
+          <p:cNvPicPr>
+            <a:picLocks noChangeAspect="1" noChangeArrowheads="1"/>
+          </p:cNvPicPr>
+          <p:nvPr/>
+        </p:nvPicPr>
+        <p:blipFill>
+          <a:blip r:embed="rId9">
+            <a:extLst>
+              <a:ext uri="{28A0092B-C50C-407E-A947-70E740481C1C}">
+                <a14:useLocalDpi xmlns:a14="http://schemas.microsoft.com/office/drawing/2010/main" val="0"/>
+              </a:ext>
+            </a:extLst>
+          </a:blip>
+          <a:stretch>
+            <a:fillRect/>
+          </a:stretch>
+        </p:blipFill>
+        <p:spPr bwMode="auto">
+          <a:xfrm>
+            <a:off x="7920571" y="1643834"/>
+            <a:ext cx="468060" cy="468060"/>
+          </a:xfrm>
+          <a:prstGeom prst="rect">
+            <a:avLst/>
+          </a:prstGeom>
+          <a:extLst>
+            <a:ext uri="{909E8E84-426E-40DD-AFC4-6F175D3DCCD1}">
+              <a14:hiddenFill xmlns:a14="http://schemas.microsoft.com/office/drawing/2010/main">
+                <a:solidFill>
+                  <a:srgbClr val="FFFFFF"/>
+                </a:solidFill>
+              </a14:hiddenFill>
+            </a:ext>
+          </a:extLst>
+        </p:spPr>
+      </p:pic>
+      <p:sp>
+        <p:nvSpPr>
+          <p:cNvPr id="57" name="TextBox 56">
+            <a:extLst>
+              <a:ext uri="{FF2B5EF4-FFF2-40B4-BE49-F238E27FC236}">
+                <a16:creationId xmlns:a16="http://schemas.microsoft.com/office/drawing/2014/main" id="{3CB3D1B9-1976-43A9-B287-59A24879CA87}"/>
+              </a:ext>
+            </a:extLst>
+          </p:cNvPr>
+          <p:cNvSpPr txBox="1"/>
+          <p:nvPr/>
+        </p:nvSpPr>
+        <p:spPr>
+          <a:xfrm>
+            <a:off x="7684312" y="2050304"/>
+            <a:ext cx="949633" cy="538793"/>
+          </a:xfrm>
+          <a:prstGeom prst="rect">
+            <a:avLst/>
+          </a:prstGeom>
+          <a:noFill/>
+        </p:spPr>
+        <p:txBody>
+          <a:bodyPr wrap="square" lIns="91440" tIns="143347" rIns="91440" bIns="143347" rtlCol="0">
+            <a:spAutoFit/>
+          </a:bodyPr>
+          <a:lstStyle>
+            <a:defPPr>
+              <a:defRPr lang="en-US"/>
+            </a:defPPr>
+            <a:lvl1pPr defTabSz="913781">
+              <a:lnSpc>
+                <a:spcPct val="90000"/>
+              </a:lnSpc>
+              <a:spcBef>
+                <a:spcPct val="0"/>
+              </a:spcBef>
+              <a:spcAft>
+                <a:spcPts val="588"/>
+              </a:spcAft>
+              <a:defRPr sz="1125" kern="0" spc="-29">
+                <a:gradFill>
+                  <a:gsLst>
+                    <a:gs pos="1250">
+                      <a:schemeClr val="tx1"/>
+                    </a:gs>
+                    <a:gs pos="100000">
+                      <a:schemeClr val="tx1"/>
+                    </a:gs>
+                  </a:gsLst>
+                  <a:lin ang="5400000" scaled="0"/>
+                </a:gradFill>
+                <a:latin typeface="Segoe UI Semilight" panose="020B0402040204020203" pitchFamily="34" charset="0"/>
+                <a:ea typeface="MS PGothic" panose="020B0600070205080204" pitchFamily="34" charset="-128"/>
+                <a:cs typeface="Segoe UI Semilight" panose="020B0402040204020203" pitchFamily="34" charset="0"/>
+              </a:defRPr>
+            </a:lvl1pPr>
+            <a:lvl2pPr>
+              <a:defRPr>
+                <a:solidFill>
+                  <a:schemeClr val="tx1"/>
+                </a:solidFill>
+              </a:defRPr>
+            </a:lvl2pPr>
+            <a:lvl3pPr>
+              <a:defRPr>
+                <a:solidFill>
+                  <a:schemeClr val="tx1"/>
+                </a:solidFill>
+              </a:defRPr>
+            </a:lvl3pPr>
+            <a:lvl4pPr>
+              <a:defRPr>
+                <a:solidFill>
+                  <a:schemeClr val="tx1"/>
+                </a:solidFill>
+              </a:defRPr>
+            </a:lvl4pPr>
+            <a:lvl5pPr>
+              <a:defRPr>
+                <a:solidFill>
+                  <a:schemeClr val="tx1"/>
+                </a:solidFill>
+              </a:defRPr>
+            </a:lvl5pPr>
+            <a:lvl6pPr>
+              <a:defRPr>
+                <a:solidFill>
+                  <a:schemeClr val="tx1"/>
+                </a:solidFill>
+              </a:defRPr>
+            </a:lvl6pPr>
+            <a:lvl7pPr>
+              <a:defRPr>
+                <a:solidFill>
+                  <a:schemeClr val="tx1"/>
+                </a:solidFill>
+              </a:defRPr>
+            </a:lvl7pPr>
+            <a:lvl8pPr>
+              <a:defRPr>
+                <a:solidFill>
+                  <a:schemeClr val="tx1"/>
+                </a:solidFill>
+              </a:defRPr>
+            </a:lvl8pPr>
+            <a:lvl9pPr>
+              <a:defRPr>
+                <a:solidFill>
+                  <a:schemeClr val="tx1"/>
+                </a:solidFill>
+              </a:defRPr>
+            </a:lvl9pPr>
+          </a:lstStyle>
+          <a:p>
+            <a:pPr algn="ctr"/>
+            <a:r>
+              <a:rPr lang="en-US" sz="900" dirty="0">
+                <a:solidFill>
+                  <a:schemeClr val="tx1"/>
+                </a:solidFill>
+                <a:latin typeface="Segoe UI Semibold" panose="020B0702040204020203" pitchFamily="34" charset="0"/>
+                <a:cs typeface="Segoe UI Semibold" panose="020B0702040204020203" pitchFamily="34" charset="0"/>
+              </a:rPr>
+              <a:t>Azure ML Workspace  </a:t>
+            </a:r>
+          </a:p>
+        </p:txBody>
+      </p:sp>
+      <p:pic>
+        <p:nvPicPr>
+          <p:cNvPr id="58" name="Picture 57">
+            <a:extLst>
+              <a:ext uri="{FF2B5EF4-FFF2-40B4-BE49-F238E27FC236}">
+                <a16:creationId xmlns:a16="http://schemas.microsoft.com/office/drawing/2014/main" id="{361D598D-CF79-454D-B9CD-F47E5C48CD1B}"/>
+              </a:ext>
+            </a:extLst>
+          </p:cNvPr>
+          <p:cNvPicPr>
+            <a:picLocks noChangeAspect="1" noChangeArrowheads="1"/>
+          </p:cNvPicPr>
+          <p:nvPr/>
+        </p:nvPicPr>
+        <p:blipFill>
+          <a:blip r:embed="rId9">
+            <a:extLst>
+              <a:ext uri="{28A0092B-C50C-407E-A947-70E740481C1C}">
+                <a14:useLocalDpi xmlns:a14="http://schemas.microsoft.com/office/drawing/2010/main" val="0"/>
+              </a:ext>
+            </a:extLst>
+          </a:blip>
+          <a:stretch>
+            <a:fillRect/>
+          </a:stretch>
+        </p:blipFill>
+        <p:spPr bwMode="auto">
+          <a:xfrm>
+            <a:off x="10698197" y="1670650"/>
+            <a:ext cx="468060" cy="468060"/>
+          </a:xfrm>
+          <a:prstGeom prst="rect">
+            <a:avLst/>
+          </a:prstGeom>
+          <a:extLst>
+            <a:ext uri="{909E8E84-426E-40DD-AFC4-6F175D3DCCD1}">
+              <a14:hiddenFill xmlns:a14="http://schemas.microsoft.com/office/drawing/2010/main">
+                <a:solidFill>
+                  <a:srgbClr val="FFFFFF"/>
+                </a:solidFill>
+              </a14:hiddenFill>
+            </a:ext>
+          </a:extLst>
+        </p:spPr>
+      </p:pic>
+      <p:sp>
+        <p:nvSpPr>
+          <p:cNvPr id="60" name="TextBox 59">
+            <a:extLst>
+              <a:ext uri="{FF2B5EF4-FFF2-40B4-BE49-F238E27FC236}">
+                <a16:creationId xmlns:a16="http://schemas.microsoft.com/office/drawing/2014/main" id="{C5D7934A-44B9-4F03-A8C5-EBF78B5759BA}"/>
+              </a:ext>
+            </a:extLst>
+          </p:cNvPr>
+          <p:cNvSpPr txBox="1"/>
+          <p:nvPr/>
+        </p:nvSpPr>
+        <p:spPr>
+          <a:xfrm>
+            <a:off x="10461938" y="2077120"/>
+            <a:ext cx="949633" cy="538793"/>
+          </a:xfrm>
+          <a:prstGeom prst="rect">
+            <a:avLst/>
+          </a:prstGeom>
+          <a:noFill/>
+        </p:spPr>
+        <p:txBody>
+          <a:bodyPr wrap="square" lIns="91440" tIns="143347" rIns="91440" bIns="143347" rtlCol="0">
+            <a:spAutoFit/>
+          </a:bodyPr>
+          <a:lstStyle>
+            <a:defPPr>
+              <a:defRPr lang="en-US"/>
+            </a:defPPr>
+            <a:lvl1pPr defTabSz="913781">
+              <a:lnSpc>
+                <a:spcPct val="90000"/>
+              </a:lnSpc>
+              <a:spcBef>
+                <a:spcPct val="0"/>
+              </a:spcBef>
+              <a:spcAft>
+                <a:spcPts val="588"/>
+              </a:spcAft>
+              <a:defRPr sz="1125" kern="0" spc="-29">
+                <a:gradFill>
+                  <a:gsLst>
+                    <a:gs pos="1250">
+                      <a:schemeClr val="tx1"/>
+                    </a:gs>
+                    <a:gs pos="100000">
+                      <a:schemeClr val="tx1"/>
+                    </a:gs>
+                  </a:gsLst>
+                  <a:lin ang="5400000" scaled="0"/>
+                </a:gradFill>
+                <a:latin typeface="Segoe UI Semilight" panose="020B0402040204020203" pitchFamily="34" charset="0"/>
+                <a:ea typeface="MS PGothic" panose="020B0600070205080204" pitchFamily="34" charset="-128"/>
+                <a:cs typeface="Segoe UI Semilight" panose="020B0402040204020203" pitchFamily="34" charset="0"/>
+              </a:defRPr>
+            </a:lvl1pPr>
+            <a:lvl2pPr>
+              <a:defRPr>
+                <a:solidFill>
+                  <a:schemeClr val="tx1"/>
+                </a:solidFill>
+              </a:defRPr>
+            </a:lvl2pPr>
+            <a:lvl3pPr>
+              <a:defRPr>
+                <a:solidFill>
+                  <a:schemeClr val="tx1"/>
+                </a:solidFill>
+              </a:defRPr>
+            </a:lvl3pPr>
+            <a:lvl4pPr>
+              <a:defRPr>
+                <a:solidFill>
+                  <a:schemeClr val="tx1"/>
+                </a:solidFill>
+              </a:defRPr>
+            </a:lvl4pPr>
+            <a:lvl5pPr>
+              <a:defRPr>
+                <a:solidFill>
+                  <a:schemeClr val="tx1"/>
+                </a:solidFill>
+              </a:defRPr>
+            </a:lvl5pPr>
+            <a:lvl6pPr>
+              <a:defRPr>
+                <a:solidFill>
+                  <a:schemeClr val="tx1"/>
+                </a:solidFill>
+              </a:defRPr>
+            </a:lvl6pPr>
+            <a:lvl7pPr>
+              <a:defRPr>
+                <a:solidFill>
+                  <a:schemeClr val="tx1"/>
+                </a:solidFill>
+              </a:defRPr>
+            </a:lvl7pPr>
+            <a:lvl8pPr>
+              <a:defRPr>
+                <a:solidFill>
+                  <a:schemeClr val="tx1"/>
+                </a:solidFill>
+              </a:defRPr>
+            </a:lvl8pPr>
+            <a:lvl9pPr>
+              <a:defRPr>
+                <a:solidFill>
+                  <a:schemeClr val="tx1"/>
+                </a:solidFill>
+              </a:defRPr>
+            </a:lvl9pPr>
+          </a:lstStyle>
+          <a:p>
+            <a:pPr algn="ctr"/>
+            <a:r>
+              <a:rPr lang="en-US" sz="900" dirty="0">
+                <a:solidFill>
+                  <a:schemeClr val="tx1"/>
+                </a:solidFill>
+                <a:latin typeface="Segoe UI Semibold" panose="020B0702040204020203" pitchFamily="34" charset="0"/>
+                <a:cs typeface="Segoe UI Semibold" panose="020B0702040204020203" pitchFamily="34" charset="0"/>
+              </a:rPr>
+              <a:t>Azure ML Workspace  </a:t>
+            </a:r>
+          </a:p>
+        </p:txBody>
+      </p:sp>
     </p:spTree>
     <p:extLst>
       <p:ext uri="{BB962C8B-B14F-4D97-AF65-F5344CB8AC3E}">
@@ -7427,7 +7376,7 @@
         <p:fade/>
       </p:transition>
     </mc:Choice>
-    <mc:Fallback xmlns="" xmlns:a16="http://schemas.microsoft.com/office/drawing/2014/main">
+    <mc:Fallback xmlns:a16="http://schemas.microsoft.com/office/drawing/2014/main" xmlns="">
       <p:transition spd="med">
         <p:fade/>
       </p:transition>
